--- a/manual/Figures.pptx
+++ b/manual/Figures.pptx
@@ -6,6 +6,7 @@
   </p:sldMasterIdLst>
   <p:sldIdLst>
     <p:sldId id="256" r:id="rId2"/>
+    <p:sldId id="257" r:id="rId3"/>
   </p:sldIdLst>
   <p:sldSz cx="12192000" cy="6858000"/>
   <p:notesSz cx="6858000" cy="9144000"/>
@@ -243,7 +244,7 @@
           <a:p>
             <a:fld id="{51F18BC0-2E7D-4ECD-B044-79CD1F5CE3A5}" type="datetimeFigureOut">
               <a:rPr lang="en-US" smtClean="0"/>
-              <a:t>6/15/2016</a:t>
+              <a:t>6/17/2016</a:t>
             </a:fld>
             <a:endParaRPr lang="en-US"/>
           </a:p>
@@ -413,7 +414,7 @@
           <a:p>
             <a:fld id="{51F18BC0-2E7D-4ECD-B044-79CD1F5CE3A5}" type="datetimeFigureOut">
               <a:rPr lang="en-US" smtClean="0"/>
-              <a:t>6/15/2016</a:t>
+              <a:t>6/17/2016</a:t>
             </a:fld>
             <a:endParaRPr lang="en-US"/>
           </a:p>
@@ -593,7 +594,7 @@
           <a:p>
             <a:fld id="{51F18BC0-2E7D-4ECD-B044-79CD1F5CE3A5}" type="datetimeFigureOut">
               <a:rPr lang="en-US" smtClean="0"/>
-              <a:t>6/15/2016</a:t>
+              <a:t>6/17/2016</a:t>
             </a:fld>
             <a:endParaRPr lang="en-US"/>
           </a:p>
@@ -763,7 +764,7 @@
           <a:p>
             <a:fld id="{51F18BC0-2E7D-4ECD-B044-79CD1F5CE3A5}" type="datetimeFigureOut">
               <a:rPr lang="en-US" smtClean="0"/>
-              <a:t>6/15/2016</a:t>
+              <a:t>6/17/2016</a:t>
             </a:fld>
             <a:endParaRPr lang="en-US"/>
           </a:p>
@@ -1009,7 +1010,7 @@
           <a:p>
             <a:fld id="{51F18BC0-2E7D-4ECD-B044-79CD1F5CE3A5}" type="datetimeFigureOut">
               <a:rPr lang="en-US" smtClean="0"/>
-              <a:t>6/15/2016</a:t>
+              <a:t>6/17/2016</a:t>
             </a:fld>
             <a:endParaRPr lang="en-US"/>
           </a:p>
@@ -1241,7 +1242,7 @@
           <a:p>
             <a:fld id="{51F18BC0-2E7D-4ECD-B044-79CD1F5CE3A5}" type="datetimeFigureOut">
               <a:rPr lang="en-US" smtClean="0"/>
-              <a:t>6/15/2016</a:t>
+              <a:t>6/17/2016</a:t>
             </a:fld>
             <a:endParaRPr lang="en-US"/>
           </a:p>
@@ -1608,7 +1609,7 @@
           <a:p>
             <a:fld id="{51F18BC0-2E7D-4ECD-B044-79CD1F5CE3A5}" type="datetimeFigureOut">
               <a:rPr lang="en-US" smtClean="0"/>
-              <a:t>6/15/2016</a:t>
+              <a:t>6/17/2016</a:t>
             </a:fld>
             <a:endParaRPr lang="en-US"/>
           </a:p>
@@ -1726,7 +1727,7 @@
           <a:p>
             <a:fld id="{51F18BC0-2E7D-4ECD-B044-79CD1F5CE3A5}" type="datetimeFigureOut">
               <a:rPr lang="en-US" smtClean="0"/>
-              <a:t>6/15/2016</a:t>
+              <a:t>6/17/2016</a:t>
             </a:fld>
             <a:endParaRPr lang="en-US"/>
           </a:p>
@@ -1821,7 +1822,7 @@
           <a:p>
             <a:fld id="{51F18BC0-2E7D-4ECD-B044-79CD1F5CE3A5}" type="datetimeFigureOut">
               <a:rPr lang="en-US" smtClean="0"/>
-              <a:t>6/15/2016</a:t>
+              <a:t>6/17/2016</a:t>
             </a:fld>
             <a:endParaRPr lang="en-US"/>
           </a:p>
@@ -2098,7 +2099,7 @@
           <a:p>
             <a:fld id="{51F18BC0-2E7D-4ECD-B044-79CD1F5CE3A5}" type="datetimeFigureOut">
               <a:rPr lang="en-US" smtClean="0"/>
-              <a:t>6/15/2016</a:t>
+              <a:t>6/17/2016</a:t>
             </a:fld>
             <a:endParaRPr lang="en-US"/>
           </a:p>
@@ -2351,7 +2352,7 @@
           <a:p>
             <a:fld id="{51F18BC0-2E7D-4ECD-B044-79CD1F5CE3A5}" type="datetimeFigureOut">
               <a:rPr lang="en-US" smtClean="0"/>
-              <a:t>6/15/2016</a:t>
+              <a:t>6/17/2016</a:t>
             </a:fld>
             <a:endParaRPr lang="en-US"/>
           </a:p>
@@ -2564,7 +2565,7 @@
           <a:p>
             <a:fld id="{51F18BC0-2E7D-4ECD-B044-79CD1F5CE3A5}" type="datetimeFigureOut">
               <a:rPr lang="en-US" smtClean="0"/>
-              <a:t>6/15/2016</a:t>
+              <a:t>6/17/2016</a:t>
             </a:fld>
             <a:endParaRPr lang="en-US"/>
           </a:p>
@@ -3258,11 +3259,7 @@
               </a:r>
               <a:r>
                 <a:rPr lang="en-US" dirty="0" smtClean="0"/>
-                <a:t> </a:t>
-              </a:r>
-              <a:r>
-                <a:rPr lang="en-US" dirty="0" smtClean="0"/>
-                <a:t>controls of the loci display on the ideogram</a:t>
+                <a:t> controls of the loci display on the ideogram</a:t>
               </a:r>
             </a:p>
             <a:p>
@@ -3278,11 +3275,7 @@
               </a:r>
               <a:r>
                 <a:rPr lang="en-US" dirty="0" smtClean="0"/>
-                <a:t> controls </a:t>
-              </a:r>
-              <a:r>
-                <a:rPr lang="en-US" dirty="0" smtClean="0"/>
-                <a:t>the display of the first </a:t>
+                <a:t> controls the display of the first </a:t>
               </a:r>
               <a:r>
                 <a:rPr lang="en-US" altLang="zh-CN" dirty="0" smtClean="0"/>
@@ -3331,6 +3324,36 @@
     <p:extLst>
       <p:ext uri="{BB962C8B-B14F-4D97-AF65-F5344CB8AC3E}">
         <p14:creationId xmlns:p14="http://schemas.microsoft.com/office/powerpoint/2010/main" val="495256261"/>
+      </p:ext>
+    </p:extLst>
+  </p:cSld>
+  <p:clrMapOvr>
+    <a:masterClrMapping/>
+  </p:clrMapOvr>
+</p:sld>
+</file>
+
+<file path=ppt/slides/slide2.xml><?xml version="1.0" encoding="utf-8"?>
+<p:sld xmlns:a="http://schemas.openxmlformats.org/drawingml/2006/main" xmlns:r="http://schemas.openxmlformats.org/officeDocument/2006/relationships" xmlns:p="http://schemas.openxmlformats.org/presentationml/2006/main">
+  <p:cSld>
+    <p:spTree>
+      <p:nvGrpSpPr>
+        <p:cNvPr id="1" name=""/>
+        <p:cNvGrpSpPr/>
+        <p:nvPr/>
+      </p:nvGrpSpPr>
+      <p:grpSpPr>
+        <a:xfrm>
+          <a:off x="0" y="0"/>
+          <a:ext cx="0" cy="0"/>
+          <a:chOff x="0" y="0"/>
+          <a:chExt cx="0" cy="0"/>
+        </a:xfrm>
+      </p:grpSpPr>
+    </p:spTree>
+    <p:extLst>
+      <p:ext uri="{BB962C8B-B14F-4D97-AF65-F5344CB8AC3E}">
+        <p14:creationId xmlns:p14="http://schemas.microsoft.com/office/powerpoint/2010/main" val="1438961488"/>
       </p:ext>
     </p:extLst>
   </p:cSld>
